--- a/Presentation3_group2_CST_8912.pptx
+++ b/Presentation3_group2_CST_8912.pptx
@@ -124,9 +124,10 @@
 <file path=ppt/revisionInfo.xml><?xml version="1.0" encoding="utf-8"?>
 <p1510:revInfo xmlns:a="http://schemas.openxmlformats.org/drawingml/2006/main" xmlns:r="http://schemas.openxmlformats.org/officeDocument/2006/relationships" xmlns:p1510="http://schemas.microsoft.com/office/powerpoint/2015/10/main">
   <p1510:revLst>
-    <p1510:client id="{179C3AB8-9AC2-FCBC-7D1C-069CDDA3BB49}" v="516" dt="2024-11-08T20:17:25.480"/>
+    <p1510:client id="{179C3AB8-9AC2-FCBC-7D1C-069CDDA3BB49}" v="944" dt="2024-11-08T20:26:16.085"/>
     <p1510:client id="{3438B442-2418-2D2E-ACCF-2C412CC53FA6}" v="802" dt="2024-11-08T19:51:54.657"/>
     <p1510:client id="{42D31B61-B419-F6EC-23F8-E0B847089B84}" v="299" dt="2024-11-08T09:21:52.177"/>
+    <p1510:client id="{9E8509E5-D8C5-40A5-CAC6-8314A2DAE765}" v="2" dt="2024-11-08T20:32:18.789"/>
     <p1510:client id="{AF8A44BA-CAA9-81FC-0DF4-9E175A547597}" v="140" dt="2024-11-08T15:35:23.713"/>
     <p1510:client id="{CF26AFC7-E7DB-1587-39AC-1E61FF8D0E93}" v="876" dt="2024-11-08T19:35:17.059"/>
     <p1510:client id="{D6F8654E-7D60-81BF-6540-AFE630D3392F}" v="5" dt="2024-11-08T18:43:07.088"/>
@@ -6344,47 +6345,35 @@
           <a:p>
             <a:pPr marL="228600"/>
             <a:r>
-              <a:rPr lang="en-US"/>
+              <a:rPr lang="en-US" dirty="0"/>
               <a:t>Group Members:</a:t>
             </a:r>
           </a:p>
           <a:p>
             <a:pPr marL="228600"/>
             <a:r>
-              <a:rPr lang="en-US" b="1"/>
-              <a:t>Caleb Watson-</a:t>
-            </a:r>
-            <a:r>
-              <a:rPr lang="en-US" b="1" err="1"/>
-              <a:t>Danis</a:t>
-            </a:r>
-            <a:endParaRPr lang="en-US" b="1"/>
+              <a:rPr lang="en-US" b="1" dirty="0"/>
+              <a:t>Caleb Watson-Danis</a:t>
+            </a:r>
           </a:p>
           <a:p>
             <a:pPr marL="228600"/>
             <a:r>
-              <a:rPr lang="en-US" b="1"/>
+              <a:rPr lang="en-US" b="1" dirty="0"/>
               <a:t>Catherine Daigle</a:t>
             </a:r>
           </a:p>
           <a:p>
             <a:pPr marL="228600"/>
             <a:r>
-              <a:rPr lang="en-US" b="1"/>
-              <a:t>Farhana Mahmud</a:t>
+              <a:rPr lang="en-US" b="1" dirty="0"/>
+              <a:t>Elias Ngugi Kariuki</a:t>
             </a:r>
           </a:p>
           <a:p>
             <a:pPr marL="228600"/>
             <a:r>
-              <a:rPr lang="en-US" b="1"/>
-              <a:t>Elias Ngugi Kariuki</a:t>
-            </a:r>
-          </a:p>
-          <a:p>
-            <a:pPr marL="228600"/>
-            <a:r>
-              <a:rPr lang="en-US" b="1"/>
+              <a:rPr lang="en-US" b="1" dirty="0"/>
               <a:t>Yue Gao</a:t>
             </a:r>
           </a:p>
@@ -9594,7 +9583,7 @@
         <p:spPr>
           <a:xfrm>
             <a:off x="76694" y="1718622"/>
-            <a:ext cx="3958770" cy="2246769"/>
+            <a:ext cx="3958770" cy="1938992"/>
           </a:xfrm>
           <a:prstGeom prst="rect">
             <a:avLst/>
@@ -9628,13 +9617,6 @@
             <a:r>
               <a:rPr lang="en-US" sz="2000"/>
               <a:t> Parallel processing</a:t>
-            </a:r>
-            <a:br>
-              <a:rPr lang="en-US" sz="2000"/>
-            </a:br>
-            <a:r>
-              <a:rPr lang="en-US" sz="2000"/>
-              <a:t> Versatile</a:t>
             </a:r>
             <a:br>
               <a:rPr lang="en-US" sz="2000"/>
@@ -9794,6 +9776,133 @@
           </a:prstGeom>
         </p:spPr>
       </p:pic>
+      <p:sp>
+        <p:nvSpPr>
+          <p:cNvPr id="12" name="TextBox 11">
+            <a:extLst>
+              <a:ext uri="{FF2B5EF4-FFF2-40B4-BE49-F238E27FC236}">
+                <a16:creationId xmlns:a16="http://schemas.microsoft.com/office/drawing/2014/main" id="{1A7EE878-C062-35DC-97C7-6900C748465E}"/>
+              </a:ext>
+            </a:extLst>
+          </p:cNvPr>
+          <p:cNvSpPr txBox="1"/>
+          <p:nvPr/>
+        </p:nvSpPr>
+        <p:spPr>
+          <a:xfrm>
+            <a:off x="8203044" y="999506"/>
+            <a:ext cx="1608942" cy="923330"/>
+          </a:xfrm>
+          <a:prstGeom prst="rect">
+            <a:avLst/>
+          </a:prstGeom>
+          <a:noFill/>
+        </p:spPr>
+        <p:txBody>
+          <a:bodyPr rot="0" spcFirstLastPara="0" vertOverflow="overflow" horzOverflow="overflow" vert="horz" wrap="square" lIns="91440" tIns="45720" rIns="91440" bIns="45720" numCol="1" spcCol="0" rtlCol="0" fromWordArt="0" anchor="t" anchorCtr="0" forceAA="0" compatLnSpc="1">
+            <a:prstTxWarp prst="textNoShape">
+              <a:avLst/>
+            </a:prstTxWarp>
+            <a:spAutoFit/>
+          </a:bodyPr>
+          <a:lstStyle/>
+          <a:p>
+            <a:r>
+              <a:rPr lang="en-US" i="1">
+                <a:latin typeface="Cooper Black"/>
+              </a:rPr>
+              <a:t>Differences</a:t>
+            </a:r>
+            <a:r>
+              <a:rPr lang="en-US"/>
+              <a:t>:</a:t>
+            </a:r>
+            <a:br>
+              <a:rPr lang="en-US"/>
+            </a:br>
+            <a:br>
+              <a:rPr lang="en-US"/>
+            </a:br>
+            <a:endParaRPr lang="en-US"/>
+          </a:p>
+        </p:txBody>
+      </p:sp>
+      <p:sp>
+        <p:nvSpPr>
+          <p:cNvPr id="13" name="TextBox 12">
+            <a:extLst>
+              <a:ext uri="{FF2B5EF4-FFF2-40B4-BE49-F238E27FC236}">
+                <a16:creationId xmlns:a16="http://schemas.microsoft.com/office/drawing/2014/main" id="{019412D0-C80A-0989-0751-D973D0CFDBA0}"/>
+              </a:ext>
+            </a:extLst>
+          </p:cNvPr>
+          <p:cNvSpPr txBox="1"/>
+          <p:nvPr/>
+        </p:nvSpPr>
+        <p:spPr>
+          <a:xfrm>
+            <a:off x="7451766" y="1707902"/>
+            <a:ext cx="3607953" cy="369332"/>
+          </a:xfrm>
+          <a:prstGeom prst="rect">
+            <a:avLst/>
+          </a:prstGeom>
+          <a:noFill/>
+        </p:spPr>
+        <p:txBody>
+          <a:bodyPr rot="0" spcFirstLastPara="0" vertOverflow="overflow" horzOverflow="overflow" vert="horz" wrap="square" lIns="91440" tIns="45720" rIns="91440" bIns="45720" numCol="1" spcCol="0" rtlCol="0" fromWordArt="0" anchor="t" anchorCtr="0" forceAA="0" compatLnSpc="1">
+            <a:prstTxWarp prst="textNoShape">
+              <a:avLst/>
+            </a:prstTxWarp>
+            <a:spAutoFit/>
+          </a:bodyPr>
+          <a:lstStyle/>
+          <a:p>
+            <a:r>
+              <a:rPr lang="en-US"/>
+              <a:t>GPU = more versatile, less focused</a:t>
+            </a:r>
+          </a:p>
+        </p:txBody>
+      </p:sp>
+      <p:sp>
+        <p:nvSpPr>
+          <p:cNvPr id="14" name="TextBox 13">
+            <a:extLst>
+              <a:ext uri="{FF2B5EF4-FFF2-40B4-BE49-F238E27FC236}">
+                <a16:creationId xmlns:a16="http://schemas.microsoft.com/office/drawing/2014/main" id="{F709B632-00ED-BBDC-47E3-B230E6799D94}"/>
+              </a:ext>
+            </a:extLst>
+          </p:cNvPr>
+          <p:cNvSpPr txBox="1"/>
+          <p:nvPr/>
+        </p:nvSpPr>
+        <p:spPr>
+          <a:xfrm>
+            <a:off x="7452591" y="2337130"/>
+            <a:ext cx="3829790" cy="646331"/>
+          </a:xfrm>
+          <a:prstGeom prst="rect">
+            <a:avLst/>
+          </a:prstGeom>
+          <a:noFill/>
+        </p:spPr>
+        <p:txBody>
+          <a:bodyPr rot="0" spcFirstLastPara="0" vertOverflow="overflow" horzOverflow="overflow" vert="horz" wrap="square" lIns="91440" tIns="45720" rIns="91440" bIns="45720" numCol="1" spcCol="0" rtlCol="0" fromWordArt="0" anchor="t" anchorCtr="0" forceAA="0" compatLnSpc="1">
+            <a:prstTxWarp prst="textNoShape">
+              <a:avLst/>
+            </a:prstTxWarp>
+            <a:spAutoFit/>
+          </a:bodyPr>
+          <a:lstStyle/>
+          <a:p>
+            <a:r>
+              <a:rPr lang="en-US"/>
+              <a:t>TPU = Specific to TensorFlow  framework, focused on ML purposes</a:t>
+            </a:r>
+          </a:p>
+        </p:txBody>
+      </p:sp>
     </p:spTree>
     <p:extLst>
       <p:ext uri="{BB962C8B-B14F-4D97-AF65-F5344CB8AC3E}">
@@ -10367,7 +10476,7 @@
         </p:spPr>
         <p:txBody>
           <a:bodyPr vert="horz" lIns="91440" tIns="45720" rIns="91440" bIns="45720" rtlCol="0" anchor="ctr">
-            <a:normAutofit fontScale="70000" lnSpcReduction="20000"/>
+            <a:normAutofit fontScale="77500" lnSpcReduction="20000"/>
           </a:bodyPr>
           <a:lstStyle/>
           <a:p>
@@ -10482,7 +10591,7 @@
             </a:pPr>
             <a:r>
               <a:rPr lang="en-US" sz="2000"/>
-              <a:t>Which of the following applications address the scalability issues at Netflix</a:t>
+              <a:t>Which of the following is a benefit for TPUs?</a:t>
             </a:r>
           </a:p>
           <a:p>
@@ -10491,9 +10600,8 @@
             </a:pPr>
             <a:r>
               <a:rPr lang="en-US" sz="1600"/>
-              <a:t>Metaflow</a:t>
-            </a:r>
-            <a:endParaRPr lang="en-US" sz="1200"/>
+              <a:t>More power</a:t>
+            </a:r>
           </a:p>
           <a:p>
             <a:pPr marL="914400" lvl="1" indent="-342900">
@@ -10501,7 +10609,7 @@
             </a:pPr>
             <a:r>
               <a:rPr lang="en-US" sz="1600"/>
-              <a:t>Kubernetes</a:t>
+              <a:t>Versatile</a:t>
             </a:r>
           </a:p>
           <a:p>
@@ -10509,18 +10617,8 @@
               <a:buAutoNum type="alphaLcPeriod"/>
             </a:pPr>
             <a:r>
-              <a:rPr lang="en-US" sz="1600" err="1"/>
-              <a:t>MLOps</a:t>
-            </a:r>
-            <a:endParaRPr lang="en-US" err="1"/>
-          </a:p>
-          <a:p>
-            <a:pPr marL="914400" lvl="1" indent="-342900">
-              <a:buAutoNum type="alphaLcPeriod"/>
-            </a:pPr>
-            <a:r>
               <a:rPr lang="en-US" sz="1600"/>
-              <a:t>AWS Spot instances</a:t>
+              <a:t>Speed &amp; efficiency</a:t>
             </a:r>
           </a:p>
           <a:p>
